--- a/Whiteboard design session/WDS trainer presentation - Innovate and Modernize Apps with Data and AI.pptx
+++ b/Whiteboard design session/WDS trainer presentation - Innovate and Modernize Apps with Data and AI.pptx
@@ -227,7 +227,7 @@
           <a:p>
             <a:fld id="{52A13B17-C506-4D51-BB37-16B365906619}" type="datetimeFigureOut">
               <a:rPr lang="en-US" smtClean="0"/>
-              <a:t>8/1/2020</a:t>
+              <a:t>8/3/2020</a:t>
             </a:fld>
             <a:endParaRPr lang="en-US"/>
           </a:p>
@@ -2000,7 +2000,7 @@
                   <a:prstClr val="black"/>
                 </a:solidFill>
               </a:rPr>
-              <a:t>8/1/2020 3:33 PM</a:t>
+              <a:t>8/3/2020 10:56 PM</a:t>
             </a:fld>
             <a:endParaRPr lang="en-US" dirty="0">
               <a:solidFill>
@@ -15095,7 +15095,7 @@
       </p:sp>
       <p:pic>
         <p:nvPicPr>
-          <p:cNvPr id="7" name="Picture 6">
+          <p:cNvPr id="7" name="Picture 6" descr="A diagram representing a reference architecture for deploying an IoT scenario in Azure.  IoT devices push messages to a cloud gateway, which transforms data through Stream Analytics or a Function App.  The resulting data is stored in a Storage blob for machine learning, as well as Cosmos DB for use in applications and customer-facing tools such as Power BI.">
             <a:extLst>
               <a:ext uri="{FF2B5EF4-FFF2-40B4-BE49-F238E27FC236}">
                 <a16:creationId xmlns:a16="http://schemas.microsoft.com/office/drawing/2014/main" id="{BCF3A16F-E141-404B-9658-6239ED4885D9}"/>
@@ -16220,105 +16220,6 @@
           <a:chExt cx="0" cy="0"/>
         </a:xfrm>
       </p:grpSpPr>
-      <p:sp>
-        <p:nvSpPr>
-          <p:cNvPr id="3" name="Content Placeholder 2"/>
-          <p:cNvSpPr>
-            <a:spLocks noGrp="1"/>
-          </p:cNvSpPr>
-          <p:nvPr>
-            <p:ph type="body" sz="quarter" idx="10"/>
-          </p:nvPr>
-        </p:nvSpPr>
-        <p:spPr>
-          <a:xfrm>
-            <a:off x="269239" y="1189177"/>
-            <a:ext cx="11653523" cy="4167828"/>
-          </a:xfrm>
-        </p:spPr>
-        <p:txBody>
-          <a:bodyPr>
-            <a:normAutofit/>
-          </a:bodyPr>
-          <a:lstStyle/>
-          <a:p>
-            <a:r>
-              <a:rPr lang="en-US" sz="3000" dirty="0">
-                <a:solidFill>
-                  <a:schemeClr val="tx1"/>
-                </a:solidFill>
-                <a:latin typeface="+mj-lt"/>
-              </a:rPr>
-              <a:t>Molly Fischer, Chief Information Officer (CIO), Wide World Importers</a:t>
-            </a:r>
-          </a:p>
-          <a:p>
-            <a:r>
-              <a:rPr lang="en-US" sz="3000" dirty="0">
-                <a:solidFill>
-                  <a:schemeClr val="tx1"/>
-                </a:solidFill>
-                <a:latin typeface="+mj-lt"/>
-              </a:rPr>
-              <a:t>The primary audience is business and technology decision-makers. From the case study scenario, it would include the Director of Analytics.</a:t>
-            </a:r>
-          </a:p>
-          <a:p>
-            <a:r>
-              <a:rPr lang="en-US" sz="3000" dirty="0">
-                <a:solidFill>
-                  <a:schemeClr val="tx1"/>
-                </a:solidFill>
-                <a:latin typeface="+mj-lt"/>
-              </a:rPr>
-              <a:t>Usually, we talk to the infrastructure managers who report to the chief information officer (CIO), or to application sponsors, such as a line of business (LOB) vice president (VP), chief marketing officer (CMO), or to those who represent the business unit IT or developers who report to application sponsors.</a:t>
-            </a:r>
-          </a:p>
-        </p:txBody>
-      </p:sp>
-      <p:sp>
-        <p:nvSpPr>
-          <p:cNvPr id="2" name="Title 1"/>
-          <p:cNvSpPr>
-            <a:spLocks noGrp="1"/>
-          </p:cNvSpPr>
-          <p:nvPr>
-            <p:ph type="title"/>
-          </p:nvPr>
-        </p:nvSpPr>
-        <p:spPr/>
-        <p:txBody>
-          <a:bodyPr>
-            <a:normAutofit fontScale="90000"/>
-          </a:bodyPr>
-          <a:lstStyle/>
-          <a:p>
-            <a:r>
-              <a:rPr lang="en-US" sz="4900" dirty="0">
-                <a:solidFill>
-                  <a:schemeClr val="tx1"/>
-                </a:solidFill>
-                <a:cs typeface="Segoe UI" panose="020B0502040204020203" pitchFamily="34" charset="0"/>
-              </a:rPr>
-              <a:t>Preferred target audience</a:t>
-            </a:r>
-            <a:br>
-              <a:rPr lang="en-US" dirty="0">
-                <a:solidFill>
-                  <a:schemeClr val="tx1"/>
-                </a:solidFill>
-                <a:latin typeface="Segoe UI" panose="020B0502040204020203" pitchFamily="34" charset="0"/>
-              </a:rPr>
-            </a:br>
-            <a:endParaRPr lang="en-US" sz="3236" dirty="0">
-              <a:solidFill>
-                <a:schemeClr val="tx1"/>
-              </a:solidFill>
-              <a:latin typeface="Segoe UI" panose="020B0502040204020203" pitchFamily="34" charset="0"/>
-            </a:endParaRPr>
-          </a:p>
-        </p:txBody>
-      </p:sp>
       <p:pic>
         <p:nvPicPr>
           <p:cNvPr id="4" name="Picture 3" descr="An icon showing a group of people around a circular table.&#10;">
@@ -16349,6 +16250,105 @@
           </a:prstGeom>
         </p:spPr>
       </p:pic>
+      <p:sp>
+        <p:nvSpPr>
+          <p:cNvPr id="3" name="Content Placeholder 2"/>
+          <p:cNvSpPr>
+            <a:spLocks noGrp="1"/>
+          </p:cNvSpPr>
+          <p:nvPr>
+            <p:ph type="body" sz="quarter" idx="10"/>
+          </p:nvPr>
+        </p:nvSpPr>
+        <p:spPr>
+          <a:xfrm>
+            <a:off x="269239" y="1189177"/>
+            <a:ext cx="11653523" cy="4167828"/>
+          </a:xfrm>
+        </p:spPr>
+        <p:txBody>
+          <a:bodyPr>
+            <a:normAutofit/>
+          </a:bodyPr>
+          <a:lstStyle/>
+          <a:p>
+            <a:r>
+              <a:rPr lang="en-US" sz="3000" dirty="0">
+                <a:solidFill>
+                  <a:schemeClr val="tx1"/>
+                </a:solidFill>
+                <a:latin typeface="+mj-lt"/>
+              </a:rPr>
+              <a:t>Molly Fischer, Chief Information Officer (CIO), Wide World Importers</a:t>
+            </a:r>
+          </a:p>
+          <a:p>
+            <a:r>
+              <a:rPr lang="en-US" sz="3000" dirty="0">
+                <a:solidFill>
+                  <a:schemeClr val="tx1"/>
+                </a:solidFill>
+                <a:latin typeface="+mj-lt"/>
+              </a:rPr>
+              <a:t>The primary audience is business and technology decision-makers. From the case study scenario, it would include the Director of Analytics.</a:t>
+            </a:r>
+          </a:p>
+          <a:p>
+            <a:r>
+              <a:rPr lang="en-US" sz="3000" dirty="0">
+                <a:solidFill>
+                  <a:schemeClr val="tx1"/>
+                </a:solidFill>
+                <a:latin typeface="+mj-lt"/>
+              </a:rPr>
+              <a:t>Usually, we talk to the infrastructure managers who report to the chief information officer (CIO), or to application sponsors, such as a line of business (LOB) vice president (VP), chief marketing officer (CMO), or to those who represent the business unit IT or developers who report to application sponsors.</a:t>
+            </a:r>
+          </a:p>
+        </p:txBody>
+      </p:sp>
+      <p:sp>
+        <p:nvSpPr>
+          <p:cNvPr id="2" name="Title 1"/>
+          <p:cNvSpPr>
+            <a:spLocks noGrp="1"/>
+          </p:cNvSpPr>
+          <p:nvPr>
+            <p:ph type="title"/>
+          </p:nvPr>
+        </p:nvSpPr>
+        <p:spPr/>
+        <p:txBody>
+          <a:bodyPr>
+            <a:normAutofit fontScale="90000"/>
+          </a:bodyPr>
+          <a:lstStyle/>
+          <a:p>
+            <a:r>
+              <a:rPr lang="en-US" sz="4900" dirty="0">
+                <a:solidFill>
+                  <a:schemeClr val="tx1"/>
+                </a:solidFill>
+                <a:cs typeface="Segoe UI" panose="020B0502040204020203" pitchFamily="34" charset="0"/>
+              </a:rPr>
+              <a:t>Preferred target audience</a:t>
+            </a:r>
+            <a:br>
+              <a:rPr lang="en-US" dirty="0">
+                <a:solidFill>
+                  <a:schemeClr val="tx1"/>
+                </a:solidFill>
+                <a:latin typeface="Segoe UI" panose="020B0502040204020203" pitchFamily="34" charset="0"/>
+              </a:rPr>
+            </a:br>
+            <a:endParaRPr lang="en-US" sz="3236" dirty="0">
+              <a:solidFill>
+                <a:schemeClr val="tx1"/>
+              </a:solidFill>
+              <a:latin typeface="Segoe UI" panose="020B0502040204020203" pitchFamily="34" charset="0"/>
+            </a:endParaRPr>
+          </a:p>
+        </p:txBody>
+      </p:sp>
     </p:spTree>
     <p:extLst>
       <p:ext uri="{BB962C8B-B14F-4D97-AF65-F5344CB8AC3E}">
@@ -16387,83 +16387,9 @@
           <a:chExt cx="0" cy="0"/>
         </a:xfrm>
       </p:grpSpPr>
-      <p:sp>
-        <p:nvSpPr>
-          <p:cNvPr id="3" name="Content Placeholder 2"/>
-          <p:cNvSpPr>
-            <a:spLocks noGrp="1"/>
-          </p:cNvSpPr>
-          <p:nvPr>
-            <p:ph type="body" sz="quarter" idx="10"/>
-          </p:nvPr>
-        </p:nvSpPr>
-        <p:spPr/>
-        <p:txBody>
-          <a:bodyPr>
-            <a:normAutofit/>
-          </a:bodyPr>
-          <a:lstStyle/>
-          <a:p>
-            <a:pPr marL="0" indent="0">
-              <a:spcAft>
-                <a:spcPts val="882"/>
-              </a:spcAft>
-              <a:buNone/>
-            </a:pPr>
-            <a:endParaRPr lang="en-US" sz="1800" dirty="0">
-              <a:solidFill>
-                <a:schemeClr val="tx1"/>
-              </a:solidFill>
-            </a:endParaRPr>
-          </a:p>
-        </p:txBody>
-      </p:sp>
-      <p:sp>
-        <p:nvSpPr>
-          <p:cNvPr id="2" name="Title 1"/>
-          <p:cNvSpPr>
-            <a:spLocks noGrp="1"/>
-          </p:cNvSpPr>
-          <p:nvPr>
-            <p:ph type="title"/>
-          </p:nvPr>
-        </p:nvSpPr>
-        <p:spPr/>
-        <p:txBody>
-          <a:bodyPr>
-            <a:normAutofit fontScale="90000"/>
-          </a:bodyPr>
-          <a:lstStyle/>
-          <a:p>
-            <a:r>
-              <a:rPr lang="en-US" sz="4900" dirty="0">
-                <a:solidFill>
-                  <a:schemeClr val="tx1"/>
-                </a:solidFill>
-                <a:cs typeface="Segoe UI" panose="020B0502040204020203" pitchFamily="34" charset="0"/>
-              </a:rPr>
-              <a:t>Preferred solution</a:t>
-            </a:r>
-            <a:br>
-              <a:rPr lang="en-US" dirty="0">
-                <a:solidFill>
-                  <a:schemeClr val="tx1"/>
-                </a:solidFill>
-                <a:latin typeface="Segoe UI" panose="020B0502040204020203" pitchFamily="34" charset="0"/>
-              </a:rPr>
-            </a:br>
-            <a:endParaRPr lang="en-US" sz="3236" dirty="0">
-              <a:solidFill>
-                <a:schemeClr val="tx1"/>
-              </a:solidFill>
-              <a:latin typeface="Segoe UI" panose="020B0502040204020203" pitchFamily="34" charset="0"/>
-            </a:endParaRPr>
-          </a:p>
-        </p:txBody>
-      </p:sp>
       <p:pic>
         <p:nvPicPr>
-          <p:cNvPr id="5" name="Picture 4">
+          <p:cNvPr id="5" name="Picture 4" descr="The high-level architecture for the solution.  Devices send messages to IoT Hub, which sends those messages along using an event processor pattern to enrich the telemetry data with predictive maintenance and anomaly detection, landing the data in Azure PostgreSQL Hyperscale.">
             <a:extLst>
               <a:ext uri="{FF2B5EF4-FFF2-40B4-BE49-F238E27FC236}">
                 <a16:creationId xmlns:a16="http://schemas.microsoft.com/office/drawing/2014/main" id="{483238ED-37D5-42A6-B6DF-94C40C679F40}"/>
@@ -16497,6 +16423,49 @@
           </a:prstGeom>
         </p:spPr>
       </p:pic>
+      <p:sp>
+        <p:nvSpPr>
+          <p:cNvPr id="2" name="Title 1"/>
+          <p:cNvSpPr>
+            <a:spLocks noGrp="1"/>
+          </p:cNvSpPr>
+          <p:nvPr>
+            <p:ph type="title"/>
+          </p:nvPr>
+        </p:nvSpPr>
+        <p:spPr/>
+        <p:txBody>
+          <a:bodyPr>
+            <a:normAutofit fontScale="90000"/>
+          </a:bodyPr>
+          <a:lstStyle/>
+          <a:p>
+            <a:r>
+              <a:rPr lang="en-US" sz="4900" dirty="0">
+                <a:solidFill>
+                  <a:schemeClr val="tx1"/>
+                </a:solidFill>
+                <a:cs typeface="Segoe UI" panose="020B0502040204020203" pitchFamily="34" charset="0"/>
+              </a:rPr>
+              <a:t>Preferred solution</a:t>
+            </a:r>
+            <a:br>
+              <a:rPr lang="en-US" dirty="0">
+                <a:solidFill>
+                  <a:schemeClr val="tx1"/>
+                </a:solidFill>
+                <a:latin typeface="Segoe UI" panose="020B0502040204020203" pitchFamily="34" charset="0"/>
+              </a:rPr>
+            </a:br>
+            <a:endParaRPr lang="en-US" sz="3236" dirty="0">
+              <a:solidFill>
+                <a:schemeClr val="tx1"/>
+              </a:solidFill>
+              <a:latin typeface="Segoe UI" panose="020B0502040204020203" pitchFamily="34" charset="0"/>
+            </a:endParaRPr>
+          </a:p>
+        </p:txBody>
+      </p:sp>
     </p:spTree>
     <p:extLst>
       <p:ext uri="{BB962C8B-B14F-4D97-AF65-F5344CB8AC3E}">
@@ -17702,106 +17671,6 @@
           <a:chExt cx="0" cy="0"/>
         </a:xfrm>
       </p:grpSpPr>
-      <p:sp>
-        <p:nvSpPr>
-          <p:cNvPr id="3" name="Content Placeholder 2"/>
-          <p:cNvSpPr>
-            <a:spLocks noGrp="1"/>
-          </p:cNvSpPr>
-          <p:nvPr>
-            <p:ph type="body" sz="quarter" idx="10"/>
-          </p:nvPr>
-        </p:nvSpPr>
-        <p:spPr>
-          <a:xfrm>
-            <a:off x="269240" y="1189177"/>
-            <a:ext cx="7140852" cy="5444536"/>
-          </a:xfrm>
-        </p:spPr>
-        <p:txBody>
-          <a:bodyPr>
-            <a:normAutofit fontScale="92500"/>
-          </a:bodyPr>
-          <a:lstStyle/>
-          <a:p>
-            <a:r>
-              <a:rPr lang="en-US" sz="3200" dirty="0">
-                <a:solidFill>
-                  <a:schemeClr val="tx1"/>
-                </a:solidFill>
-                <a:latin typeface="+mj-lt"/>
-              </a:rPr>
-              <a:t>Wide World Importers (WWI) is a global manufacturing company that handles distribution worldwide. They manufacture more than 9,000 different SKUs. They have data coming from CNC machines and sensors, as well as Manufacturing Execution Systems (MES).</a:t>
-            </a:r>
-          </a:p>
-          <a:p>
-            <a:endParaRPr lang="en-US" sz="3200" dirty="0">
-              <a:solidFill>
-                <a:schemeClr val="tx1"/>
-              </a:solidFill>
-              <a:latin typeface="+mj-lt"/>
-            </a:endParaRPr>
-          </a:p>
-          <a:p>
-            <a:r>
-              <a:rPr lang="en-US" sz="3200" dirty="0">
-                <a:solidFill>
-                  <a:schemeClr val="tx1"/>
-                </a:solidFill>
-              </a:rPr>
-              <a:t>WWI has five factories, each with about 10,000 sensors, for a total of approximately 50,000 sensors sending data in real-time. </a:t>
-            </a:r>
-            <a:endParaRPr lang="en-US" sz="1600" dirty="0">
-              <a:solidFill>
-                <a:schemeClr val="tx1"/>
-              </a:solidFill>
-            </a:endParaRPr>
-          </a:p>
-        </p:txBody>
-      </p:sp>
-      <p:sp>
-        <p:nvSpPr>
-          <p:cNvPr id="2" name="Title 1"/>
-          <p:cNvSpPr>
-            <a:spLocks noGrp="1"/>
-          </p:cNvSpPr>
-          <p:nvPr>
-            <p:ph type="title"/>
-          </p:nvPr>
-        </p:nvSpPr>
-        <p:spPr/>
-        <p:txBody>
-          <a:bodyPr>
-            <a:normAutofit fontScale="90000"/>
-          </a:bodyPr>
-          <a:lstStyle/>
-          <a:p>
-            <a:r>
-              <a:rPr lang="en-US" sz="4900" dirty="0">
-                <a:solidFill>
-                  <a:schemeClr val="tx1"/>
-                </a:solidFill>
-                <a:cs typeface="Segoe UI" panose="020B0502040204020203" pitchFamily="34" charset="0"/>
-              </a:rPr>
-              <a:t>Customer situation</a:t>
-            </a:r>
-            <a:br>
-              <a:rPr lang="en-US" dirty="0">
-                <a:solidFill>
-                  <a:schemeClr val="tx1"/>
-                </a:solidFill>
-                <a:latin typeface="Segoe UI" panose="020B0502040204020203" pitchFamily="34" charset="0"/>
-              </a:rPr>
-            </a:br>
-            <a:endParaRPr lang="en-US" sz="3236" dirty="0">
-              <a:solidFill>
-                <a:schemeClr val="tx1"/>
-              </a:solidFill>
-              <a:latin typeface="Segoe UI" panose="020B0502040204020203" pitchFamily="34" charset="0"/>
-            </a:endParaRPr>
-          </a:p>
-        </p:txBody>
-      </p:sp>
       <p:pic>
         <p:nvPicPr>
           <p:cNvPr id="4" name="Picture 3" descr="Logo of Wide World Importers.">
@@ -17832,6 +17701,106 @@
           </a:prstGeom>
         </p:spPr>
       </p:pic>
+      <p:sp>
+        <p:nvSpPr>
+          <p:cNvPr id="3" name="Content Placeholder 2"/>
+          <p:cNvSpPr>
+            <a:spLocks noGrp="1"/>
+          </p:cNvSpPr>
+          <p:nvPr>
+            <p:ph type="body" sz="quarter" idx="10"/>
+          </p:nvPr>
+        </p:nvSpPr>
+        <p:spPr>
+          <a:xfrm>
+            <a:off x="269240" y="1189177"/>
+            <a:ext cx="7140852" cy="5444536"/>
+          </a:xfrm>
+        </p:spPr>
+        <p:txBody>
+          <a:bodyPr>
+            <a:normAutofit fontScale="92500"/>
+          </a:bodyPr>
+          <a:lstStyle/>
+          <a:p>
+            <a:r>
+              <a:rPr lang="en-US" sz="3200" dirty="0">
+                <a:solidFill>
+                  <a:schemeClr val="tx1"/>
+                </a:solidFill>
+                <a:latin typeface="+mj-lt"/>
+              </a:rPr>
+              <a:t>Wide World Importers (WWI) is a global manufacturing company that handles distribution worldwide. They manufacture more than 9,000 different SKUs. They have data coming from CNC machines and sensors, as well as Manufacturing Execution Systems (MES).</a:t>
+            </a:r>
+          </a:p>
+          <a:p>
+            <a:endParaRPr lang="en-US" sz="3200" dirty="0">
+              <a:solidFill>
+                <a:schemeClr val="tx1"/>
+              </a:solidFill>
+              <a:latin typeface="+mj-lt"/>
+            </a:endParaRPr>
+          </a:p>
+          <a:p>
+            <a:r>
+              <a:rPr lang="en-US" sz="3200" dirty="0">
+                <a:solidFill>
+                  <a:schemeClr val="tx1"/>
+                </a:solidFill>
+              </a:rPr>
+              <a:t>WWI has five factories, each with about 10,000 sensors, for a total of approximately 50,000 sensors sending data in real-time. </a:t>
+            </a:r>
+            <a:endParaRPr lang="en-US" sz="1600" dirty="0">
+              <a:solidFill>
+                <a:schemeClr val="tx1"/>
+              </a:solidFill>
+            </a:endParaRPr>
+          </a:p>
+        </p:txBody>
+      </p:sp>
+      <p:sp>
+        <p:nvSpPr>
+          <p:cNvPr id="2" name="Title 1"/>
+          <p:cNvSpPr>
+            <a:spLocks noGrp="1"/>
+          </p:cNvSpPr>
+          <p:nvPr>
+            <p:ph type="title"/>
+          </p:nvPr>
+        </p:nvSpPr>
+        <p:spPr/>
+        <p:txBody>
+          <a:bodyPr>
+            <a:normAutofit fontScale="90000"/>
+          </a:bodyPr>
+          <a:lstStyle/>
+          <a:p>
+            <a:r>
+              <a:rPr lang="en-US" sz="4900" dirty="0">
+                <a:solidFill>
+                  <a:schemeClr val="tx1"/>
+                </a:solidFill>
+                <a:cs typeface="Segoe UI" panose="020B0502040204020203" pitchFamily="34" charset="0"/>
+              </a:rPr>
+              <a:t>Customer situation</a:t>
+            </a:r>
+            <a:br>
+              <a:rPr lang="en-US" dirty="0">
+                <a:solidFill>
+                  <a:schemeClr val="tx1"/>
+                </a:solidFill>
+                <a:latin typeface="Segoe UI" panose="020B0502040204020203" pitchFamily="34" charset="0"/>
+              </a:rPr>
+            </a:br>
+            <a:endParaRPr lang="en-US" sz="3236" dirty="0">
+              <a:solidFill>
+                <a:schemeClr val="tx1"/>
+              </a:solidFill>
+              <a:latin typeface="Segoe UI" panose="020B0502040204020203" pitchFamily="34" charset="0"/>
+            </a:endParaRPr>
+          </a:p>
+        </p:txBody>
+      </p:sp>
     </p:spTree>
     <p:extLst>
       <p:ext uri="{BB962C8B-B14F-4D97-AF65-F5344CB8AC3E}">
@@ -17842,11 +17811,11 @@
   <p:clrMapOvr>
     <a:masterClrMapping/>
   </p:clrMapOvr>
-  <mc:AlternateContent xmlns:mc="http://schemas.openxmlformats.org/markup-compatibility/2006" xmlns:p14="http://schemas.microsoft.com/office/powerpoint/2010/main">
-    <mc:Choice Requires="p14">
-      <p:transition p14:dur="0"/>
+  <mc:AlternateContent xmlns:mc="http://schemas.openxmlformats.org/markup-compatibility/2006">
+    <mc:Choice xmlns:p14="http://schemas.microsoft.com/office/powerpoint/2010/main" Requires="p14">
+      <p:transition p14:dur="10"/>
     </mc:Choice>
-    <mc:Fallback xmlns="">
+    <mc:Fallback>
       <p:transition/>
     </mc:Fallback>
   </mc:AlternateContent>
@@ -17870,96 +17839,6 @@
           <a:chExt cx="0" cy="0"/>
         </a:xfrm>
       </p:grpSpPr>
-      <p:sp>
-        <p:nvSpPr>
-          <p:cNvPr id="3" name="Content Placeholder 2"/>
-          <p:cNvSpPr>
-            <a:spLocks noGrp="1"/>
-          </p:cNvSpPr>
-          <p:nvPr>
-            <p:ph type="body" sz="quarter" idx="10"/>
-          </p:nvPr>
-        </p:nvSpPr>
-        <p:spPr>
-          <a:xfrm>
-            <a:off x="269240" y="1189177"/>
-            <a:ext cx="7140852" cy="5444536"/>
-          </a:xfrm>
-        </p:spPr>
-        <p:txBody>
-          <a:bodyPr>
-            <a:normAutofit/>
-          </a:bodyPr>
-          <a:lstStyle/>
-          <a:p>
-            <a:r>
-              <a:rPr lang="en-US" sz="3000" dirty="0">
-                <a:solidFill>
-                  <a:schemeClr val="tx1"/>
-                </a:solidFill>
-                <a:latin typeface="+mj-lt"/>
-              </a:rPr>
-              <a:t>Today, their sensor data is collected into a Kafka cluster and processed via a custom consumer application that aggregates the events and writes the results to PostgreSQL. They have an event data store that currently runs in PostgreSQL. A web app connects to the data store and reports the status of the factory floor.</a:t>
-            </a:r>
-          </a:p>
-          <a:p>
-            <a:pPr marL="0" indent="0">
-              <a:spcAft>
-                <a:spcPts val="882"/>
-              </a:spcAft>
-              <a:buNone/>
-            </a:pPr>
-            <a:endParaRPr lang="en-US" sz="1800" dirty="0">
-              <a:solidFill>
-                <a:schemeClr val="tx1"/>
-              </a:solidFill>
-            </a:endParaRPr>
-          </a:p>
-        </p:txBody>
-      </p:sp>
-      <p:sp>
-        <p:nvSpPr>
-          <p:cNvPr id="2" name="Title 1"/>
-          <p:cNvSpPr>
-            <a:spLocks noGrp="1"/>
-          </p:cNvSpPr>
-          <p:nvPr>
-            <p:ph type="title"/>
-          </p:nvPr>
-        </p:nvSpPr>
-        <p:spPr/>
-        <p:txBody>
-          <a:bodyPr>
-            <a:normAutofit fontScale="90000"/>
-          </a:bodyPr>
-          <a:lstStyle/>
-          <a:p>
-            <a:r>
-              <a:rPr lang="en-US" sz="4900" dirty="0">
-                <a:solidFill>
-                  <a:schemeClr val="tx1"/>
-                </a:solidFill>
-                <a:cs typeface="Segoe UI" panose="020B0502040204020203" pitchFamily="34" charset="0"/>
-              </a:rPr>
-              <a:t>Customer situation - 2</a:t>
-            </a:r>
-            <a:br>
-              <a:rPr lang="en-US" dirty="0">
-                <a:solidFill>
-                  <a:schemeClr val="tx1"/>
-                </a:solidFill>
-                <a:latin typeface="Segoe UI" panose="020B0502040204020203" pitchFamily="34" charset="0"/>
-              </a:rPr>
-            </a:br>
-            <a:endParaRPr lang="en-US" sz="3236" dirty="0">
-              <a:solidFill>
-                <a:schemeClr val="tx1"/>
-              </a:solidFill>
-              <a:latin typeface="Segoe UI" panose="020B0502040204020203" pitchFamily="34" charset="0"/>
-            </a:endParaRPr>
-          </a:p>
-        </p:txBody>
-      </p:sp>
       <p:grpSp>
         <p:nvGrpSpPr>
           <p:cNvPr id="5" name="Group 4" descr="Magnifying glass searching a database.">
@@ -18065,6 +17944,96 @@
           </p:spPr>
         </p:pic>
       </p:grpSp>
+      <p:sp>
+        <p:nvSpPr>
+          <p:cNvPr id="3" name="Content Placeholder 2"/>
+          <p:cNvSpPr>
+            <a:spLocks noGrp="1"/>
+          </p:cNvSpPr>
+          <p:nvPr>
+            <p:ph type="body" sz="quarter" idx="10"/>
+          </p:nvPr>
+        </p:nvSpPr>
+        <p:spPr>
+          <a:xfrm>
+            <a:off x="269240" y="1189177"/>
+            <a:ext cx="7140852" cy="5444536"/>
+          </a:xfrm>
+        </p:spPr>
+        <p:txBody>
+          <a:bodyPr>
+            <a:normAutofit/>
+          </a:bodyPr>
+          <a:lstStyle/>
+          <a:p>
+            <a:r>
+              <a:rPr lang="en-US" sz="3000" dirty="0">
+                <a:solidFill>
+                  <a:schemeClr val="tx1"/>
+                </a:solidFill>
+                <a:latin typeface="+mj-lt"/>
+              </a:rPr>
+              <a:t>Today, their sensor data is collected into a Kafka cluster and processed via a custom consumer application that aggregates the events and writes the results to PostgreSQL. They have an event data store that currently runs in PostgreSQL. A web app connects to the data store and reports the status of the factory floor.</a:t>
+            </a:r>
+          </a:p>
+          <a:p>
+            <a:pPr marL="0" indent="0">
+              <a:spcAft>
+                <a:spcPts val="882"/>
+              </a:spcAft>
+              <a:buNone/>
+            </a:pPr>
+            <a:endParaRPr lang="en-US" sz="1800" dirty="0">
+              <a:solidFill>
+                <a:schemeClr val="tx1"/>
+              </a:solidFill>
+            </a:endParaRPr>
+          </a:p>
+        </p:txBody>
+      </p:sp>
+      <p:sp>
+        <p:nvSpPr>
+          <p:cNvPr id="2" name="Title 1"/>
+          <p:cNvSpPr>
+            <a:spLocks noGrp="1"/>
+          </p:cNvSpPr>
+          <p:nvPr>
+            <p:ph type="title"/>
+          </p:nvPr>
+        </p:nvSpPr>
+        <p:spPr/>
+        <p:txBody>
+          <a:bodyPr>
+            <a:normAutofit fontScale="90000"/>
+          </a:bodyPr>
+          <a:lstStyle/>
+          <a:p>
+            <a:r>
+              <a:rPr lang="en-US" sz="4900" dirty="0">
+                <a:solidFill>
+                  <a:schemeClr val="tx1"/>
+                </a:solidFill>
+                <a:cs typeface="Segoe UI" panose="020B0502040204020203" pitchFamily="34" charset="0"/>
+              </a:rPr>
+              <a:t>Customer situation - 2</a:t>
+            </a:r>
+            <a:br>
+              <a:rPr lang="en-US" dirty="0">
+                <a:solidFill>
+                  <a:schemeClr val="tx1"/>
+                </a:solidFill>
+                <a:latin typeface="Segoe UI" panose="020B0502040204020203" pitchFamily="34" charset="0"/>
+              </a:rPr>
+            </a:br>
+            <a:endParaRPr lang="en-US" sz="3236" dirty="0">
+              <a:solidFill>
+                <a:schemeClr val="tx1"/>
+              </a:solidFill>
+              <a:latin typeface="Segoe UI" panose="020B0502040204020203" pitchFamily="34" charset="0"/>
+            </a:endParaRPr>
+          </a:p>
+        </p:txBody>
+      </p:sp>
     </p:spTree>
     <p:extLst>
       <p:ext uri="{BB962C8B-B14F-4D97-AF65-F5344CB8AC3E}">
@@ -18103,88 +18072,6 @@
           <a:chExt cx="0" cy="0"/>
         </a:xfrm>
       </p:grpSpPr>
-      <p:sp>
-        <p:nvSpPr>
-          <p:cNvPr id="3" name="Content Placeholder 2"/>
-          <p:cNvSpPr>
-            <a:spLocks noGrp="1"/>
-          </p:cNvSpPr>
-          <p:nvPr>
-            <p:ph type="body" sz="quarter" idx="10"/>
-          </p:nvPr>
-        </p:nvSpPr>
-        <p:spPr>
-          <a:xfrm>
-            <a:off x="269240" y="1189177"/>
-            <a:ext cx="7140852" cy="5444536"/>
-          </a:xfrm>
-        </p:spPr>
-        <p:txBody>
-          <a:bodyPr>
-            <a:normAutofit/>
-          </a:bodyPr>
-          <a:lstStyle/>
-          <a:p>
-            <a:r>
-              <a:rPr lang="en-US" sz="3000" dirty="0">
-                <a:solidFill>
-                  <a:schemeClr val="tx1"/>
-                </a:solidFill>
-                <a:latin typeface="+mj-lt"/>
-              </a:rPr>
-              <a:t>WWI is running into scalability issues as they add manufacturing capacity, but in the course of addressing this concern, they would like to take the opportunity to modernize their infrastructure. In particular, they would like to modernize their solution to use microservices, and in particular, apply the Event Sourcing and Command and Query Responsibility Segregation (CQRS) patterns.</a:t>
-            </a:r>
-            <a:endParaRPr lang="en-US" sz="1800" dirty="0">
-              <a:solidFill>
-                <a:schemeClr val="tx1"/>
-              </a:solidFill>
-            </a:endParaRPr>
-          </a:p>
-        </p:txBody>
-      </p:sp>
-      <p:sp>
-        <p:nvSpPr>
-          <p:cNvPr id="2" name="Title 1"/>
-          <p:cNvSpPr>
-            <a:spLocks noGrp="1"/>
-          </p:cNvSpPr>
-          <p:nvPr>
-            <p:ph type="title"/>
-          </p:nvPr>
-        </p:nvSpPr>
-        <p:spPr/>
-        <p:txBody>
-          <a:bodyPr>
-            <a:normAutofit fontScale="90000"/>
-          </a:bodyPr>
-          <a:lstStyle/>
-          <a:p>
-            <a:r>
-              <a:rPr lang="en-US" sz="4900" dirty="0">
-                <a:solidFill>
-                  <a:schemeClr val="tx1"/>
-                </a:solidFill>
-                <a:cs typeface="Segoe UI" panose="020B0502040204020203" pitchFamily="34" charset="0"/>
-              </a:rPr>
-              <a:t>Customer situation - 3</a:t>
-            </a:r>
-            <a:br>
-              <a:rPr lang="en-US" dirty="0">
-                <a:solidFill>
-                  <a:schemeClr val="tx1"/>
-                </a:solidFill>
-                <a:latin typeface="Segoe UI" panose="020B0502040204020203" pitchFamily="34" charset="0"/>
-              </a:rPr>
-            </a:br>
-            <a:endParaRPr lang="en-US" sz="3236" dirty="0">
-              <a:solidFill>
-                <a:schemeClr val="tx1"/>
-              </a:solidFill>
-              <a:latin typeface="Segoe UI" panose="020B0502040204020203" pitchFamily="34" charset="0"/>
-            </a:endParaRPr>
-          </a:p>
-        </p:txBody>
-      </p:sp>
       <p:pic>
         <p:nvPicPr>
           <p:cNvPr id="5" name="Graphic 4" descr="Application window">
@@ -18224,6 +18111,88 @@
           </a:prstGeom>
         </p:spPr>
       </p:pic>
+      <p:sp>
+        <p:nvSpPr>
+          <p:cNvPr id="3" name="Content Placeholder 2"/>
+          <p:cNvSpPr>
+            <a:spLocks noGrp="1"/>
+          </p:cNvSpPr>
+          <p:nvPr>
+            <p:ph type="body" sz="quarter" idx="10"/>
+          </p:nvPr>
+        </p:nvSpPr>
+        <p:spPr>
+          <a:xfrm>
+            <a:off x="269240" y="1189177"/>
+            <a:ext cx="7140852" cy="5444536"/>
+          </a:xfrm>
+        </p:spPr>
+        <p:txBody>
+          <a:bodyPr>
+            <a:normAutofit/>
+          </a:bodyPr>
+          <a:lstStyle/>
+          <a:p>
+            <a:r>
+              <a:rPr lang="en-US" sz="3000" dirty="0">
+                <a:solidFill>
+                  <a:schemeClr val="tx1"/>
+                </a:solidFill>
+                <a:latin typeface="+mj-lt"/>
+              </a:rPr>
+              <a:t>WWI is running into scalability issues as they add manufacturing capacity, but in the course of addressing this concern, they would like to take the opportunity to modernize their infrastructure. In particular, they would like to modernize their solution to use microservices, and in particular, apply the Event Sourcing and Command and Query Responsibility Segregation (CQRS) patterns.</a:t>
+            </a:r>
+            <a:endParaRPr lang="en-US" sz="1800" dirty="0">
+              <a:solidFill>
+                <a:schemeClr val="tx1"/>
+              </a:solidFill>
+            </a:endParaRPr>
+          </a:p>
+        </p:txBody>
+      </p:sp>
+      <p:sp>
+        <p:nvSpPr>
+          <p:cNvPr id="2" name="Title 1"/>
+          <p:cNvSpPr>
+            <a:spLocks noGrp="1"/>
+          </p:cNvSpPr>
+          <p:nvPr>
+            <p:ph type="title"/>
+          </p:nvPr>
+        </p:nvSpPr>
+        <p:spPr/>
+        <p:txBody>
+          <a:bodyPr>
+            <a:normAutofit fontScale="90000"/>
+          </a:bodyPr>
+          <a:lstStyle/>
+          <a:p>
+            <a:r>
+              <a:rPr lang="en-US" sz="4900" dirty="0">
+                <a:solidFill>
+                  <a:schemeClr val="tx1"/>
+                </a:solidFill>
+                <a:cs typeface="Segoe UI" panose="020B0502040204020203" pitchFamily="34" charset="0"/>
+              </a:rPr>
+              <a:t>Customer situation - 3</a:t>
+            </a:r>
+            <a:br>
+              <a:rPr lang="en-US" dirty="0">
+                <a:solidFill>
+                  <a:schemeClr val="tx1"/>
+                </a:solidFill>
+                <a:latin typeface="Segoe UI" panose="020B0502040204020203" pitchFamily="34" charset="0"/>
+              </a:rPr>
+            </a:br>
+            <a:endParaRPr lang="en-US" sz="3236" dirty="0">
+              <a:solidFill>
+                <a:schemeClr val="tx1"/>
+              </a:solidFill>
+              <a:latin typeface="Segoe UI" panose="020B0502040204020203" pitchFamily="34" charset="0"/>
+            </a:endParaRPr>
+          </a:p>
+        </p:txBody>
+      </p:sp>
     </p:spTree>
     <p:extLst>
       <p:ext uri="{BB962C8B-B14F-4D97-AF65-F5344CB8AC3E}">
@@ -18262,88 +18231,6 @@
           <a:chExt cx="0" cy="0"/>
         </a:xfrm>
       </p:grpSpPr>
-      <p:sp>
-        <p:nvSpPr>
-          <p:cNvPr id="3" name="Content Placeholder 2"/>
-          <p:cNvSpPr>
-            <a:spLocks noGrp="1"/>
-          </p:cNvSpPr>
-          <p:nvPr>
-            <p:ph type="body" sz="quarter" idx="10"/>
-          </p:nvPr>
-        </p:nvSpPr>
-        <p:spPr>
-          <a:xfrm>
-            <a:off x="269240" y="1189177"/>
-            <a:ext cx="7140852" cy="5444536"/>
-          </a:xfrm>
-        </p:spPr>
-        <p:txBody>
-          <a:bodyPr>
-            <a:normAutofit/>
-          </a:bodyPr>
-          <a:lstStyle/>
-          <a:p>
-            <a:r>
-              <a:rPr lang="en-US" sz="3000" dirty="0">
-                <a:solidFill>
-                  <a:schemeClr val="tx1"/>
-                </a:solidFill>
-                <a:latin typeface="+mj-lt"/>
-              </a:rPr>
-              <a:t>They recognize their solutions will benefit from the cloud and want to ensure that they can manage their hybrid solution in a consistent way across both cloud and on-premises resources. The factories currently collect and analyze their operational data independently. They would like to deploy a cloud-based platform to centralize and allow storage of all data across all factories.</a:t>
-            </a:r>
-            <a:endParaRPr lang="en-US" sz="1800" dirty="0">
-              <a:solidFill>
-                <a:schemeClr val="tx1"/>
-              </a:solidFill>
-            </a:endParaRPr>
-          </a:p>
-        </p:txBody>
-      </p:sp>
-      <p:sp>
-        <p:nvSpPr>
-          <p:cNvPr id="2" name="Title 1"/>
-          <p:cNvSpPr>
-            <a:spLocks noGrp="1"/>
-          </p:cNvSpPr>
-          <p:nvPr>
-            <p:ph type="title"/>
-          </p:nvPr>
-        </p:nvSpPr>
-        <p:spPr/>
-        <p:txBody>
-          <a:bodyPr>
-            <a:normAutofit fontScale="90000"/>
-          </a:bodyPr>
-          <a:lstStyle/>
-          <a:p>
-            <a:r>
-              <a:rPr lang="en-US" sz="4900" dirty="0">
-                <a:solidFill>
-                  <a:schemeClr val="tx1"/>
-                </a:solidFill>
-                <a:cs typeface="Segoe UI" panose="020B0502040204020203" pitchFamily="34" charset="0"/>
-              </a:rPr>
-              <a:t>Customer situation - 4</a:t>
-            </a:r>
-            <a:br>
-              <a:rPr lang="en-US" dirty="0">
-                <a:solidFill>
-                  <a:schemeClr val="tx1"/>
-                </a:solidFill>
-                <a:latin typeface="Segoe UI" panose="020B0502040204020203" pitchFamily="34" charset="0"/>
-              </a:rPr>
-            </a:br>
-            <a:endParaRPr lang="en-US" sz="3236" dirty="0">
-              <a:solidFill>
-                <a:schemeClr val="tx1"/>
-              </a:solidFill>
-              <a:latin typeface="Segoe UI" panose="020B0502040204020203" pitchFamily="34" charset="0"/>
-            </a:endParaRPr>
-          </a:p>
-        </p:txBody>
-      </p:sp>
       <p:pic>
         <p:nvPicPr>
           <p:cNvPr id="4" name="Graphic 3" descr="City icon">
@@ -18383,6 +18270,88 @@
           </a:prstGeom>
         </p:spPr>
       </p:pic>
+      <p:sp>
+        <p:nvSpPr>
+          <p:cNvPr id="3" name="Content Placeholder 2"/>
+          <p:cNvSpPr>
+            <a:spLocks noGrp="1"/>
+          </p:cNvSpPr>
+          <p:nvPr>
+            <p:ph type="body" sz="quarter" idx="10"/>
+          </p:nvPr>
+        </p:nvSpPr>
+        <p:spPr>
+          <a:xfrm>
+            <a:off x="269240" y="1189177"/>
+            <a:ext cx="7140852" cy="5444536"/>
+          </a:xfrm>
+        </p:spPr>
+        <p:txBody>
+          <a:bodyPr>
+            <a:normAutofit/>
+          </a:bodyPr>
+          <a:lstStyle/>
+          <a:p>
+            <a:r>
+              <a:rPr lang="en-US" sz="3000" dirty="0">
+                <a:solidFill>
+                  <a:schemeClr val="tx1"/>
+                </a:solidFill>
+                <a:latin typeface="+mj-lt"/>
+              </a:rPr>
+              <a:t>They recognize their solutions will benefit from the cloud and want to ensure that they can manage their hybrid solution in a consistent way across both cloud and on-premises resources. The factories currently collect and analyze their operational data independently. They would like to deploy a cloud-based platform to centralize and allow storage of all data across all factories.</a:t>
+            </a:r>
+            <a:endParaRPr lang="en-US" sz="1800" dirty="0">
+              <a:solidFill>
+                <a:schemeClr val="tx1"/>
+              </a:solidFill>
+            </a:endParaRPr>
+          </a:p>
+        </p:txBody>
+      </p:sp>
+      <p:sp>
+        <p:nvSpPr>
+          <p:cNvPr id="2" name="Title 1"/>
+          <p:cNvSpPr>
+            <a:spLocks noGrp="1"/>
+          </p:cNvSpPr>
+          <p:nvPr>
+            <p:ph type="title"/>
+          </p:nvPr>
+        </p:nvSpPr>
+        <p:spPr/>
+        <p:txBody>
+          <a:bodyPr>
+            <a:normAutofit fontScale="90000"/>
+          </a:bodyPr>
+          <a:lstStyle/>
+          <a:p>
+            <a:r>
+              <a:rPr lang="en-US" sz="4900" dirty="0">
+                <a:solidFill>
+                  <a:schemeClr val="tx1"/>
+                </a:solidFill>
+                <a:cs typeface="Segoe UI" panose="020B0502040204020203" pitchFamily="34" charset="0"/>
+              </a:rPr>
+              <a:t>Customer situation - 4</a:t>
+            </a:r>
+            <a:br>
+              <a:rPr lang="en-US" dirty="0">
+                <a:solidFill>
+                  <a:schemeClr val="tx1"/>
+                </a:solidFill>
+                <a:latin typeface="Segoe UI" panose="020B0502040204020203" pitchFamily="34" charset="0"/>
+              </a:rPr>
+            </a:br>
+            <a:endParaRPr lang="en-US" sz="3236" dirty="0">
+              <a:solidFill>
+                <a:schemeClr val="tx1"/>
+              </a:solidFill>
+              <a:latin typeface="Segoe UI" panose="020B0502040204020203" pitchFamily="34" charset="0"/>
+            </a:endParaRPr>
+          </a:p>
+        </p:txBody>
+      </p:sp>
     </p:spTree>
     <p:extLst>
       <p:ext uri="{BB962C8B-B14F-4D97-AF65-F5344CB8AC3E}">
@@ -18612,133 +18581,6 @@
           <a:chExt cx="0" cy="0"/>
         </a:xfrm>
       </p:grpSpPr>
-      <p:sp>
-        <p:nvSpPr>
-          <p:cNvPr id="3" name="Content Placeholder 2"/>
-          <p:cNvSpPr>
-            <a:spLocks noGrp="1"/>
-          </p:cNvSpPr>
-          <p:nvPr>
-            <p:ph type="body" sz="quarter" idx="10"/>
-          </p:nvPr>
-        </p:nvSpPr>
-        <p:spPr>
-          <a:xfrm>
-            <a:off x="269240" y="1189177"/>
-            <a:ext cx="10108338" cy="5479042"/>
-          </a:xfrm>
-        </p:spPr>
-        <p:txBody>
-          <a:bodyPr>
-            <a:normAutofit/>
-          </a:bodyPr>
-          <a:lstStyle/>
-          <a:p>
-            <a:r>
-              <a:rPr lang="en-US" sz="3000" dirty="0">
-                <a:solidFill>
-                  <a:schemeClr val="tx1"/>
-                </a:solidFill>
-                <a:latin typeface="+mj-lt"/>
-              </a:rPr>
-              <a:t>WWI processes a large amount of sensor data at each factory and needs any cloud service to keep up.</a:t>
-            </a:r>
-          </a:p>
-          <a:p>
-            <a:r>
-              <a:rPr lang="en-US" sz="3000" dirty="0">
-                <a:solidFill>
-                  <a:schemeClr val="tx1"/>
-                </a:solidFill>
-              </a:rPr>
-              <a:t>Does Azure have capabilities to perform anomaly detection on sensor data?  If so, how quickly could that be put into place?</a:t>
-            </a:r>
-          </a:p>
-          <a:p>
-            <a:r>
-              <a:rPr lang="en-US" sz="3000" dirty="0">
-                <a:solidFill>
-                  <a:schemeClr val="tx1"/>
-                </a:solidFill>
-                <a:latin typeface="+mj-lt"/>
-              </a:rPr>
-              <a:t>Will a hybrid Azure and on-premises solution require additional administrators?</a:t>
-            </a:r>
-          </a:p>
-          <a:p>
-            <a:r>
-              <a:rPr lang="en-US" sz="3000" dirty="0">
-                <a:solidFill>
-                  <a:schemeClr val="tx1"/>
-                </a:solidFill>
-              </a:rPr>
-              <a:t>How quickly could WWI add new sensors to the provided solution?  New manufacturing devices are added frequently and they need a solution which scales over time.</a:t>
-            </a:r>
-            <a:endParaRPr lang="en-US" sz="3000" dirty="0">
-              <a:solidFill>
-                <a:schemeClr val="tx1"/>
-              </a:solidFill>
-              <a:latin typeface="+mj-lt"/>
-            </a:endParaRPr>
-          </a:p>
-          <a:p>
-            <a:pPr marL="0" indent="0">
-              <a:spcAft>
-                <a:spcPts val="882"/>
-              </a:spcAft>
-              <a:buNone/>
-            </a:pPr>
-            <a:endParaRPr lang="en-US" sz="3000" dirty="0">
-              <a:solidFill>
-                <a:schemeClr val="tx1"/>
-              </a:solidFill>
-            </a:endParaRPr>
-          </a:p>
-        </p:txBody>
-      </p:sp>
-      <p:sp>
-        <p:nvSpPr>
-          <p:cNvPr id="2" name="Title 1"/>
-          <p:cNvSpPr>
-            <a:spLocks noGrp="1"/>
-          </p:cNvSpPr>
-          <p:nvPr>
-            <p:ph type="title"/>
-          </p:nvPr>
-        </p:nvSpPr>
-        <p:spPr/>
-        <p:txBody>
-          <a:bodyPr>
-            <a:normAutofit fontScale="90000"/>
-          </a:bodyPr>
-          <a:lstStyle/>
-          <a:p>
-            <a:r>
-              <a:rPr lang="en-US" sz="4900" dirty="0">
-                <a:solidFill>
-                  <a:schemeClr val="tx1"/>
-                </a:solidFill>
-                <a:cs typeface="Segoe UI" panose="020B0502040204020203" pitchFamily="34" charset="0"/>
-              </a:rPr>
-              <a:t>Customer objections</a:t>
-            </a:r>
-            <a:br>
-              <a:rPr lang="en-US" dirty="0">
-                <a:solidFill>
-                  <a:schemeClr val="tx1"/>
-                </a:solidFill>
-                <a:latin typeface="Segoe UI" panose="020B0502040204020203" pitchFamily="34" charset="0"/>
-              </a:rPr>
-            </a:br>
-            <a:endParaRPr lang="en-US" sz="3236" dirty="0">
-              <a:solidFill>
-                <a:schemeClr val="tx1"/>
-              </a:solidFill>
-              <a:latin typeface="Segoe UI" panose="020B0502040204020203" pitchFamily="34" charset="0"/>
-            </a:endParaRPr>
-          </a:p>
-        </p:txBody>
-      </p:sp>
       <p:pic>
         <p:nvPicPr>
           <p:cNvPr id="4" name="Graphic 3" descr="Questions ">
@@ -18778,6 +18620,133 @@
           </a:prstGeom>
         </p:spPr>
       </p:pic>
+      <p:sp>
+        <p:nvSpPr>
+          <p:cNvPr id="3" name="Content Placeholder 2"/>
+          <p:cNvSpPr>
+            <a:spLocks noGrp="1"/>
+          </p:cNvSpPr>
+          <p:nvPr>
+            <p:ph type="body" sz="quarter" idx="10"/>
+          </p:nvPr>
+        </p:nvSpPr>
+        <p:spPr>
+          <a:xfrm>
+            <a:off x="269240" y="1189177"/>
+            <a:ext cx="10108338" cy="5479042"/>
+          </a:xfrm>
+        </p:spPr>
+        <p:txBody>
+          <a:bodyPr>
+            <a:normAutofit/>
+          </a:bodyPr>
+          <a:lstStyle/>
+          <a:p>
+            <a:r>
+              <a:rPr lang="en-US" sz="3000" dirty="0">
+                <a:solidFill>
+                  <a:schemeClr val="tx1"/>
+                </a:solidFill>
+                <a:latin typeface="+mj-lt"/>
+              </a:rPr>
+              <a:t>WWI processes a large amount of sensor data at each factory and needs any cloud service to keep up.</a:t>
+            </a:r>
+          </a:p>
+          <a:p>
+            <a:r>
+              <a:rPr lang="en-US" sz="3000" dirty="0">
+                <a:solidFill>
+                  <a:schemeClr val="tx1"/>
+                </a:solidFill>
+              </a:rPr>
+              <a:t>Does Azure have capabilities to perform anomaly detection on sensor data?  If so, how quickly could that be put into place?</a:t>
+            </a:r>
+          </a:p>
+          <a:p>
+            <a:r>
+              <a:rPr lang="en-US" sz="3000" dirty="0">
+                <a:solidFill>
+                  <a:schemeClr val="tx1"/>
+                </a:solidFill>
+                <a:latin typeface="+mj-lt"/>
+              </a:rPr>
+              <a:t>Will a hybrid Azure and on-premises solution require additional administrators?</a:t>
+            </a:r>
+          </a:p>
+          <a:p>
+            <a:r>
+              <a:rPr lang="en-US" sz="3000" dirty="0">
+                <a:solidFill>
+                  <a:schemeClr val="tx1"/>
+                </a:solidFill>
+              </a:rPr>
+              <a:t>How quickly could WWI add new sensors to the provided solution?  New manufacturing devices are added frequently and they need a solution which scales over time.</a:t>
+            </a:r>
+            <a:endParaRPr lang="en-US" sz="3000" dirty="0">
+              <a:solidFill>
+                <a:schemeClr val="tx1"/>
+              </a:solidFill>
+              <a:latin typeface="+mj-lt"/>
+            </a:endParaRPr>
+          </a:p>
+          <a:p>
+            <a:pPr marL="0" indent="0">
+              <a:spcAft>
+                <a:spcPts val="882"/>
+              </a:spcAft>
+              <a:buNone/>
+            </a:pPr>
+            <a:endParaRPr lang="en-US" sz="3000" dirty="0">
+              <a:solidFill>
+                <a:schemeClr val="tx1"/>
+              </a:solidFill>
+            </a:endParaRPr>
+          </a:p>
+        </p:txBody>
+      </p:sp>
+      <p:sp>
+        <p:nvSpPr>
+          <p:cNvPr id="2" name="Title 1"/>
+          <p:cNvSpPr>
+            <a:spLocks noGrp="1"/>
+          </p:cNvSpPr>
+          <p:nvPr>
+            <p:ph type="title"/>
+          </p:nvPr>
+        </p:nvSpPr>
+        <p:spPr/>
+        <p:txBody>
+          <a:bodyPr>
+            <a:normAutofit fontScale="90000"/>
+          </a:bodyPr>
+          <a:lstStyle/>
+          <a:p>
+            <a:r>
+              <a:rPr lang="en-US" sz="4900" dirty="0">
+                <a:solidFill>
+                  <a:schemeClr val="tx1"/>
+                </a:solidFill>
+                <a:cs typeface="Segoe UI" panose="020B0502040204020203" pitchFamily="34" charset="0"/>
+              </a:rPr>
+              <a:t>Customer objections</a:t>
+            </a:r>
+            <a:br>
+              <a:rPr lang="en-US" dirty="0">
+                <a:solidFill>
+                  <a:schemeClr val="tx1"/>
+                </a:solidFill>
+                <a:latin typeface="Segoe UI" panose="020B0502040204020203" pitchFamily="34" charset="0"/>
+              </a:rPr>
+            </a:br>
+            <a:endParaRPr lang="en-US" sz="3236" dirty="0">
+              <a:solidFill>
+                <a:schemeClr val="tx1"/>
+              </a:solidFill>
+              <a:latin typeface="Segoe UI" panose="020B0502040204020203" pitchFamily="34" charset="0"/>
+            </a:endParaRPr>
+          </a:p>
+        </p:txBody>
+      </p:sp>
     </p:spTree>
     <p:extLst>
       <p:ext uri="{BB962C8B-B14F-4D97-AF65-F5344CB8AC3E}">
@@ -19665,15 +19634,6 @@
 </file>
 
 <file path=customXml/item1.xml><?xml version="1.0" encoding="utf-8"?>
-<?mso-contentType ?>
-<FormTemplates xmlns="http://schemas.microsoft.com/sharepoint/v3/contenttype/forms">
-  <Display>DocumentLibraryForm</Display>
-  <Edit>DocumentLibraryForm</Edit>
-  <New>DocumentLibraryForm</New>
-</FormTemplates>
-</file>
-
-<file path=customXml/item2.xml><?xml version="1.0" encoding="utf-8"?>
 <ct:contentTypeSchema xmlns:ct="http://schemas.microsoft.com/office/2006/metadata/contentType" xmlns:ma="http://schemas.microsoft.com/office/2006/metadata/properties/metaAttributes" ct:_="" ma:_="" ma:contentTypeName="Document" ma:contentTypeID="0x010100D15DFA3690A15B4081582BBCC6BEAC3E" ma:contentTypeVersion="9" ma:contentTypeDescription="Create a new document." ma:contentTypeScope="" ma:versionID="642da1784587cbe85a7fdbbe4dc36103">
   <xsd:schema xmlns:xsd="http://www.w3.org/2001/XMLSchema" xmlns:xs="http://www.w3.org/2001/XMLSchema" xmlns:p="http://schemas.microsoft.com/office/2006/metadata/properties" xmlns:ns1="http://schemas.microsoft.com/sharepoint/v3" xmlns:ns2="2023ac63-7b75-4916-a9ee-591457758eee" xmlns:ns3="d9c797ad-d7c3-4982-82b7-81352a75e4a5" targetNamespace="http://schemas.microsoft.com/office/2006/metadata/properties" ma:root="true" ma:fieldsID="91198b0246576053cc55dd2c67035a89" ns1:_="" ns2:_="" ns3:_="">
     <xsd:import namespace="http://schemas.microsoft.com/sharepoint/v3"/>
@@ -19875,6 +19835,15 @@
 </ct:contentTypeSchema>
 </file>
 
+<file path=customXml/item2.xml><?xml version="1.0" encoding="utf-8"?>
+<?mso-contentType ?>
+<FormTemplates xmlns="http://schemas.microsoft.com/sharepoint/v3/contenttype/forms">
+  <Display>DocumentLibraryForm</Display>
+  <Edit>DocumentLibraryForm</Edit>
+  <New>DocumentLibraryForm</New>
+</FormTemplates>
+</file>
+
 <file path=customXml/item3.xml><?xml version="1.0" encoding="utf-8"?>
 <p:properties xmlns:p="http://schemas.microsoft.com/office/2006/metadata/properties" xmlns:xsi="http://www.w3.org/2001/XMLSchema-instance" xmlns:pc="http://schemas.microsoft.com/office/infopath/2007/PartnerControls">
   <documentManagement>
@@ -19885,14 +19854,6 @@
 </file>
 
 <file path=customXml/itemProps1.xml><?xml version="1.0" encoding="utf-8"?>
-<ds:datastoreItem xmlns:ds="http://schemas.openxmlformats.org/officeDocument/2006/customXml" ds:itemID="{F18501AF-04CF-4482-BAE1-607B49DDC378}">
-  <ds:schemaRefs>
-    <ds:schemaRef ds:uri="http://schemas.microsoft.com/sharepoint/v3/contenttype/forms"/>
-  </ds:schemaRefs>
-</ds:datastoreItem>
-</file>
-
-<file path=customXml/itemProps2.xml><?xml version="1.0" encoding="utf-8"?>
 <ds:datastoreItem xmlns:ds="http://schemas.openxmlformats.org/officeDocument/2006/customXml" ds:itemID="{255F5BEB-6AD6-480A-8556-C80C5EBC10F2}">
   <ds:schemaRefs>
     <ds:schemaRef ds:uri="http://schemas.microsoft.com/office/2006/metadata/contentType"/>
@@ -19912,20 +19873,28 @@
 </ds:datastoreItem>
 </file>
 
+<file path=customXml/itemProps2.xml><?xml version="1.0" encoding="utf-8"?>
+<ds:datastoreItem xmlns:ds="http://schemas.openxmlformats.org/officeDocument/2006/customXml" ds:itemID="{F18501AF-04CF-4482-BAE1-607B49DDC378}">
+  <ds:schemaRefs>
+    <ds:schemaRef ds:uri="http://schemas.microsoft.com/sharepoint/v3/contenttype/forms"/>
+  </ds:schemaRefs>
+</ds:datastoreItem>
+</file>
+
 <file path=customXml/itemProps3.xml><?xml version="1.0" encoding="utf-8"?>
 <ds:datastoreItem xmlns:ds="http://schemas.openxmlformats.org/officeDocument/2006/customXml" ds:itemID="{BAF7D529-36AB-45DA-B239-2F912F2D1610}">
   <ds:schemaRefs>
+    <ds:schemaRef ds:uri="http://schemas.microsoft.com/sharepoint/v3"/>
     <ds:schemaRef ds:uri="http://purl.org/dc/elements/1.1/"/>
     <ds:schemaRef ds:uri="http://schemas.microsoft.com/office/2006/metadata/properties"/>
+    <ds:schemaRef ds:uri="http://schemas.openxmlformats.org/package/2006/metadata/core-properties"/>
+    <ds:schemaRef ds:uri="http://schemas.microsoft.com/office/infopath/2007/PartnerControls"/>
     <ds:schemaRef ds:uri="http://purl.org/dc/terms/"/>
-    <ds:schemaRef ds:uri="http://schemas.microsoft.com/office/infopath/2007/PartnerControls"/>
-    <ds:schemaRef ds:uri="http://purl.org/dc/dcmitype/"/>
-    <ds:schemaRef ds:uri="http://schemas.openxmlformats.org/package/2006/metadata/core-properties"/>
+    <ds:schemaRef ds:uri="2023ac63-7b75-4916-a9ee-591457758eee"/>
     <ds:schemaRef ds:uri="http://schemas.microsoft.com/office/2006/documentManagement/types"/>
     <ds:schemaRef ds:uri="d9c797ad-d7c3-4982-82b7-81352a75e4a5"/>
-    <ds:schemaRef ds:uri="2023ac63-7b75-4916-a9ee-591457758eee"/>
-    <ds:schemaRef ds:uri="http://schemas.microsoft.com/sharepoint/v3"/>
     <ds:schemaRef ds:uri="http://www.w3.org/XML/1998/namespace"/>
+    <ds:schemaRef ds:uri="http://purl.org/dc/dcmitype/"/>
   </ds:schemaRefs>
 </ds:datastoreItem>
 </file>